--- a/Milestones/Milestone 4/Milestone4Rcoon.pptx
+++ b/Milestones/Milestone 4/Milestone4Rcoon.pptx
@@ -3734,18 +3734,13 @@
           <a:p>
             <a:pPr algn="l"/>
             <a:r>
-              <a:rPr lang="es-ES" altLang="en-US" sz="3600" b="1">
+              <a:rPr lang="es-ES" altLang="en-US" sz="3600" b="1" dirty="0">
                 <a:solidFill>
                   <a:schemeClr val="bg1"/>
                 </a:solidFill>
               </a:rPr>
-              <a:t>Milestone 3</a:t>
-            </a:r>
-            <a:endParaRPr lang="es-ES" altLang="en-US" sz="3600" b="1" dirty="0">
-              <a:solidFill>
-                <a:schemeClr val="bg1"/>
-              </a:solidFill>
-            </a:endParaRPr>
+              <a:t>Milestone 4</a:t>
+            </a:r>
           </a:p>
         </p:txBody>
       </p:sp>
@@ -4226,15 +4221,7 @@
           <a:p>
             <a:r>
               <a:rPr lang="en-US" altLang="en-US" dirty="0"/>
-              <a:t>The one challenge that I encountered in this Milestone was within the queries script. I could not get the edit to work as it kept saying that a question mark was misplaced. It turned out to be in the </a:t>
-            </a:r>
-            <a:r>
-              <a:rPr lang="en-US" altLang="en-US" dirty="0" err="1"/>
-              <a:t>dao</a:t>
-            </a:r>
-            <a:r>
-              <a:rPr lang="en-US" altLang="en-US" dirty="0"/>
-              <a:t> part where I missed for it to get the productid when submitting for a product edit. Once I found it everything worked.</a:t>
+              <a:t>I did not have much in the sake of challenges in this milestone. I followed the Angular activity and it helped a lot with getting everything in working order. I did have a bit of trouble getting the Delete function to work within a button on the product cards, but I could not get it working.</a:t>
             </a:r>
           </a:p>
         </p:txBody>
@@ -4329,7 +4316,7 @@
           <a:p>
             <a:r>
               <a:rPr lang="en-US" altLang="en-US" dirty="0"/>
-              <a:t>There are no present bugs in the program at this time.</a:t>
+              <a:t>There are no present bugs in the program at this time, but the delete function button within the products cards is not working at the moment.</a:t>
             </a:r>
           </a:p>
         </p:txBody>
@@ -4429,8 +4416,13 @@
           <a:p>
             <a:r>
               <a:rPr lang="en-US" altLang="en-US" dirty="0"/>
-              <a:t>Top lesson learned is to take your time and double check as you go. It may not show as an error in the code, but it could be as simple as a misplaced question mark or a misspelled word.</a:t>
-            </a:r>
+              <a:t>I kept getting a lot of errors like this one: “angular can't bind to 'product' since it isn't a known property”. Turns out I had not added a constructor into the section. Lesson is take your time and look it over. Stack overflow is a good help when encountering </a:t>
+            </a:r>
+            <a:r>
+              <a:rPr lang="en-US" altLang="en-US"/>
+              <a:t>certain errors as this one.</a:t>
+            </a:r>
+            <a:endParaRPr lang="en-US" altLang="en-US" dirty="0"/>
           </a:p>
         </p:txBody>
       </p:sp>
